--- a/static/Posters/Bug, Fault, Error, Weakness, or  Vulnerability -- ITL Science Day 2023.pptx
+++ b/static/Posters/Bug, Fault, Error, Weakness, or  Vulnerability -- ITL Science Day 2023.pptx
@@ -257,7 +257,7 @@
       </p15:sldGuideLst>
     </p:ext>
     <p:ext uri="GoogleSlidesCustomDataVersion2">
-      <go:slidesCustomData xmlns:go="http://customooxmlschemas.google.com/" xmlns:ahyp="http://schemas.microsoft.com/office/drawing/2018/hyperlinkcolor" xmlns:p15="http://schemas.microsoft.com/office/powerpoint/2012/main" xmlns:p14="http://schemas.microsoft.com/office/powerpoint/2010/main" xmlns:com="http://schemas.openxmlformats.org/drawingml/2006/compatibility" xmlns:pvml="urn:schemas-microsoft-com:office:powerpoint" xmlns:v="urn:schemas-microsoft-com:vml" xmlns:o="urn:schemas-microsoft-com:office:office" xmlns:dgm="http://schemas.openxmlformats.org/drawingml/2006/diagram" xmlns:c="http://schemas.openxmlformats.org/drawingml/2006/chart" xmlns:mv="urn:schemas-microsoft-com:mac:vml" xmlns:mc="http://schemas.openxmlformats.org/markup-compatibility/2006" xmlns="" r:id="rId7" roundtripDataSignature="AMtx7mjU/HAI5jW0+cS6zlKsAZAnwebEPw=="/>
+      <go:slidesCustomData xmlns="" xmlns:mc="http://schemas.openxmlformats.org/markup-compatibility/2006" xmlns:mv="urn:schemas-microsoft-com:mac:vml" xmlns:c="http://schemas.openxmlformats.org/drawingml/2006/chart" xmlns:dgm="http://schemas.openxmlformats.org/drawingml/2006/diagram" xmlns:o="urn:schemas-microsoft-com:office:office" xmlns:v="urn:schemas-microsoft-com:vml" xmlns:pvml="urn:schemas-microsoft-com:office:powerpoint" xmlns:com="http://schemas.openxmlformats.org/drawingml/2006/compatibility" xmlns:p14="http://schemas.microsoft.com/office/powerpoint/2010/main" xmlns:p15="http://schemas.microsoft.com/office/powerpoint/2012/main" xmlns:ahyp="http://schemas.microsoft.com/office/drawing/2018/hyperlinkcolor" xmlns:go="http://customooxmlschemas.google.com/" r:id="rId7" roundtripDataSignature="AMtx7mjU/HAI5jW0+cS6zlKsAZAnwebEPw=="/>
     </p:ext>
   </p:extLst>
 </p:presentation>
@@ -7887,7 +7887,7 @@
         <p:spPr>
           <a:xfrm>
             <a:off x="739837" y="7626100"/>
-            <a:ext cx="20939760" cy="6973303"/>
+            <a:ext cx="20939760" cy="7496669"/>
           </a:xfrm>
           <a:prstGeom prst="roundRect">
             <a:avLst>
@@ -8018,17 +8018,7 @@
                 <a:latin typeface="Calibri" panose="020F0502020204030204" pitchFamily="34" charset="0"/>
                 <a:cs typeface="Calibri" panose="020F0502020204030204" pitchFamily="34" charset="0"/>
               </a:rPr>
-              <a:t>Define software security bug, exploitable error, weakness, and vulnerability; software fault and error; and failure in the context of cybersecurity, and elucidate their causation and </a:t>
-            </a:r>
-            <a:r>
-              <a:rPr lang="en-US" sz="3800">
-                <a:solidFill>
-                  <a:schemeClr val="dk1"/>
-                </a:solidFill>
-                <a:latin typeface="Calibri" panose="020F0502020204030204" pitchFamily="34" charset="0"/>
-                <a:cs typeface="Calibri" panose="020F0502020204030204" pitchFamily="34" charset="0"/>
-              </a:rPr>
-              <a:t>propagation.</a:t>
+              <a:t>Define the Bugs Framework (BF) critical research concepts of software security bug, exploitable error, weakness, and vulnerability; software fault and error; and failure in the context of cybersecurity, and elucidate their causation and propagation.</a:t>
             </a:r>
             <a:endParaRPr lang="en-US" sz="3600" dirty="0">
               <a:solidFill>
@@ -8065,8 +8055,8 @@
         </p:nvSpPr>
         <p:spPr>
           <a:xfrm>
-            <a:off x="739837" y="15450643"/>
-            <a:ext cx="20939760" cy="21503348"/>
+            <a:off x="739837" y="15940532"/>
+            <a:ext cx="20939760" cy="21190996"/>
           </a:xfrm>
           <a:prstGeom prst="roundRect">
             <a:avLst>
@@ -8108,7 +8098,7 @@
                 <a:cs typeface="Calibri" panose="020F0502020204030204" pitchFamily="34" charset="0"/>
                 <a:sym typeface="Calibri"/>
               </a:rPr>
-              <a:t>Software Security Concepts Definitions </a:t>
+              <a:t>BF Software Security Concepts Definitions </a:t>
             </a:r>
             <a:endParaRPr lang="en-US" sz="6000" dirty="0">
               <a:solidFill>
@@ -8123,7 +8113,7 @@
           <a:p>
             <a:pPr algn="ctr">
               <a:spcAft>
-                <a:spcPts val="3500"/>
+                <a:spcPts val="3000"/>
               </a:spcAft>
             </a:pPr>
             <a:r>
@@ -8698,21 +8688,7 @@
                 <a:latin typeface="Calibri" panose="020F0502020204030204" pitchFamily="34" charset="0"/>
                 <a:cs typeface="Calibri" panose="020F0502020204030204" pitchFamily="34" charset="0"/>
               </a:rPr>
-              <a:t>is a violation of a system security requirement caused by an adversary </a:t>
-            </a:r>
-            <a:r>
-              <a:rPr lang="en-US" sz="3800">
-                <a:latin typeface="Calibri" panose="020F0502020204030204" pitchFamily="34" charset="0"/>
-                <a:cs typeface="Calibri" panose="020F0502020204030204" pitchFamily="34" charset="0"/>
-              </a:rPr>
-              <a:t>attack leveraging </a:t>
-            </a:r>
-            <a:r>
-              <a:rPr lang="en-US" sz="3800" dirty="0">
-                <a:latin typeface="Calibri" panose="020F0502020204030204" pitchFamily="34" charset="0"/>
-                <a:cs typeface="Calibri" panose="020F0502020204030204" pitchFamily="34" charset="0"/>
-              </a:rPr>
-              <a:t>an </a:t>
+              <a:t>is a violation of a system security requirement caused by an adversary attack leveraging an </a:t>
             </a:r>
             <a:r>
               <a:rPr lang="en-US" sz="3800" dirty="0">
@@ -8868,8 +8844,8 @@
         </p:nvSpPr>
         <p:spPr>
           <a:xfrm>
-            <a:off x="5486400" y="2832960"/>
-            <a:ext cx="32918400" cy="2337601"/>
+            <a:off x="733241" y="2832960"/>
+            <a:ext cx="42424718" cy="2337601"/>
           </a:xfrm>
           <a:prstGeom prst="rect">
             <a:avLst/>
@@ -8898,7 +8874,7 @@
                 </a:solidFill>
                 <a:latin typeface="+mn-lt"/>
               </a:rPr>
-              <a:t>Bug, Fault, Error, Weakness, or  Vulnerability</a:t>
+              <a:t>BF: Bug, Fault, Error, Weakness, or  Vulnerability</a:t>
             </a:r>
           </a:p>
         </p:txBody>
@@ -8918,7 +8894,7 @@
         <p:spPr>
           <a:xfrm>
             <a:off x="22218199" y="7626101"/>
-            <a:ext cx="20939760" cy="14789056"/>
+            <a:ext cx="20939760" cy="14319499"/>
           </a:xfrm>
           <a:prstGeom prst="roundRect">
             <a:avLst>
@@ -8960,7 +8936,7 @@
                 <a:cs typeface="Calibri" panose="020F0502020204030204" pitchFamily="34" charset="0"/>
                 <a:sym typeface="Calibri"/>
               </a:rPr>
-              <a:t>BF Vulnerability Specification Model</a:t>
+              <a:t>BF Software Security Concepts Model</a:t>
             </a:r>
             <a:endParaRPr lang="en-US" sz="4400" i="1" dirty="0">
               <a:solidFill>
@@ -8988,8 +8964,8 @@
         </p:nvSpPr>
         <p:spPr>
           <a:xfrm>
-            <a:off x="739837" y="37771754"/>
-            <a:ext cx="20939760" cy="4401851"/>
+            <a:off x="739837" y="37982769"/>
+            <a:ext cx="20939760" cy="4190836"/>
           </a:xfrm>
           <a:prstGeom prst="roundRect">
             <a:avLst>
@@ -9236,8 +9212,8 @@
         </p:nvSpPr>
         <p:spPr>
           <a:xfrm>
-            <a:off x="22218199" y="23266398"/>
-            <a:ext cx="20939760" cy="18912044"/>
+            <a:off x="22218199" y="22796840"/>
+            <a:ext cx="20939760" cy="19381601"/>
           </a:xfrm>
           <a:prstGeom prst="roundRect">
             <a:avLst>
@@ -9412,22 +9388,9 @@
           </a:p>
           <a:p>
             <a:pPr algn="ctr">
-              <a:spcAft>
-                <a:spcPts val="3000"/>
-              </a:spcAft>
-              <a:buSzPts val="6000"/>
-            </a:pPr>
-            <a:endParaRPr lang="en-US" sz="6000" dirty="0">
-              <a:solidFill>
-                <a:schemeClr val="dk1"/>
-              </a:solidFill>
-              <a:latin typeface="+mn-lt"/>
-              <a:cs typeface="Calibri" panose="020F0502020204030204" pitchFamily="34" charset="0"/>
-              <a:sym typeface="Calibri"/>
-            </a:endParaRPr>
-          </a:p>
-          <a:p>
-            <a:pPr algn="ctr">
+              <a:spcBef>
+                <a:spcPts val="8000"/>
+              </a:spcBef>
               <a:spcAft>
                 <a:spcPts val="3000"/>
               </a:spcAft>
@@ -9445,7 +9408,7 @@
           <a:p>
             <a:pPr marL="277813" algn="ctr">
               <a:spcBef>
-                <a:spcPts val="12000"/>
+                <a:spcPts val="20000"/>
               </a:spcBef>
               <a:spcAft>
                 <a:spcPts val="2000"/>
@@ -9456,7 +9419,7 @@
               <a:buSzPts val="1100"/>
             </a:pPr>
             <a:r>
-              <a:rPr lang="en-US" sz="3000" dirty="0">
+              <a:rPr lang="en-US" sz="2800" dirty="0">
                 <a:solidFill>
                   <a:schemeClr val="tx1"/>
                 </a:solidFill>
@@ -9468,7 +9431,7 @@
               <a:t>Missing verification of </a:t>
             </a:r>
             <a:r>
-              <a:rPr lang="en-US" sz="2800" dirty="0">
+              <a:rPr lang="en-US" sz="2400" dirty="0">
                 <a:solidFill>
                   <a:schemeClr val="tx1"/>
                 </a:solidFill>
@@ -9480,7 +9443,7 @@
               <a:t>payload</a:t>
             </a:r>
             <a:r>
-              <a:rPr lang="en-US" sz="3000" dirty="0">
+              <a:rPr lang="en-US" sz="2800" dirty="0">
                 <a:solidFill>
                   <a:schemeClr val="tx1"/>
                 </a:solidFill>
@@ -9489,10 +9452,33 @@
                 <a:cs typeface="Calibri"/>
                 <a:sym typeface="Calibri"/>
               </a:rPr>
-              <a:t> length towards an upper limit leads to use of an inconsistent size for an object, allowing a pointer reposition over its bounds, which, when used in </a:t>
+              <a:t> length towards an upper limit leads to use of an inconsistent size for an object, </a:t>
+            </a:r>
+            <a:br>
+              <a:rPr lang="en-US" sz="2800" dirty="0">
+                <a:solidFill>
+                  <a:schemeClr val="tx1"/>
+                </a:solidFill>
+                <a:latin typeface="Calibri"/>
+                <a:ea typeface="Calibri"/>
+                <a:cs typeface="Calibri"/>
+                <a:sym typeface="Calibri"/>
+              </a:rPr>
+            </a:br>
+            <a:r>
+              <a:rPr lang="en-US" sz="2800" dirty="0">
+                <a:solidFill>
+                  <a:schemeClr val="tx1"/>
+                </a:solidFill>
+                <a:latin typeface="Calibri"/>
+                <a:ea typeface="Calibri"/>
+                <a:cs typeface="Calibri"/>
+                <a:sym typeface="Calibri"/>
+              </a:rPr>
+              <a:t>allowing a pointer reposition over its bounds, which, when used in </a:t>
             </a:r>
             <a:r>
-              <a:rPr lang="en-US" sz="2800" dirty="0" err="1">
+              <a:rPr lang="en-US" sz="2400" dirty="0" err="1">
                 <a:solidFill>
                   <a:schemeClr val="tx1"/>
                 </a:solidFill>
@@ -9504,7 +9490,7 @@
               <a:t>memcpy</a:t>
             </a:r>
             <a:r>
-              <a:rPr lang="en-US" sz="2800" dirty="0">
+              <a:rPr lang="en-US" sz="2400" dirty="0">
                 <a:solidFill>
                   <a:schemeClr val="tx1"/>
                 </a:solidFill>
@@ -9516,7 +9502,7 @@
               <a:t>()</a:t>
             </a:r>
             <a:r>
-              <a:rPr lang="en-US" sz="3000" dirty="0">
+              <a:rPr lang="en-US" sz="2800" dirty="0">
                 <a:solidFill>
                   <a:schemeClr val="tx1"/>
                 </a:solidFill>
@@ -9528,7 +9514,7 @@
               <a:t> leads to  a heap buffer over-read. </a:t>
             </a:r>
             <a:br>
-              <a:rPr lang="en-US" sz="3000" dirty="0">
+              <a:rPr lang="en-US" sz="2800" dirty="0">
                 <a:solidFill>
                   <a:schemeClr val="tx1"/>
                 </a:solidFill>
@@ -9539,7 +9525,7 @@
               </a:rPr>
             </a:br>
             <a:r>
-              <a:rPr lang="en-US" sz="3000" dirty="0">
+              <a:rPr lang="en-US" sz="2800" dirty="0">
                 <a:solidFill>
                   <a:schemeClr val="tx1"/>
                 </a:solidFill>
@@ -9555,10 +9541,10 @@
       </p:sp>
       <p:pic>
         <p:nvPicPr>
-          <p:cNvPr id="294" name="Graphic 293">
+          <p:cNvPr id="73" name="Graphic 72">
             <a:extLst>
               <a:ext uri="{FF2B5EF4-FFF2-40B4-BE49-F238E27FC236}">
-                <a16:creationId xmlns:a16="http://schemas.microsoft.com/office/drawing/2014/main" id="{6CE5523F-02F2-8116-A1A8-3D29D24CC413}"/>
+                <a16:creationId xmlns:a16="http://schemas.microsoft.com/office/drawing/2014/main" id="{8A3D806E-DD7A-3801-B905-E7FDEC17D745}"/>
               </a:ext>
             </a:extLst>
           </p:cNvPr>
@@ -9581,8 +9567,8 @@
         </p:blipFill>
         <p:spPr>
           <a:xfrm>
-            <a:off x="22654478" y="25804781"/>
-            <a:ext cx="20102513" cy="13644563"/>
+            <a:off x="22822523" y="25248534"/>
+            <a:ext cx="20874038" cy="14287500"/>
           </a:xfrm>
           <a:prstGeom prst="rect">
             <a:avLst/>
@@ -9591,10 +9577,10 @@
       </p:pic>
       <p:pic>
         <p:nvPicPr>
-          <p:cNvPr id="3" name="Graphic 2">
+          <p:cNvPr id="75" name="Graphic 74">
             <a:extLst>
               <a:ext uri="{FF2B5EF4-FFF2-40B4-BE49-F238E27FC236}">
-                <a16:creationId xmlns:a16="http://schemas.microsoft.com/office/drawing/2014/main" id="{442A44E6-A4C3-4CC5-60C4-7A9A8F5E7740}"/>
+                <a16:creationId xmlns:a16="http://schemas.microsoft.com/office/drawing/2014/main" id="{AC292A00-0DD9-0F4D-CD78-2EA9C544DBC2}"/>
               </a:ext>
             </a:extLst>
           </p:cNvPr>
@@ -9617,8 +9603,8 @@
         </p:blipFill>
         <p:spPr>
           <a:xfrm>
-            <a:off x="24122722" y="9853381"/>
-            <a:ext cx="17130713" cy="11844338"/>
+            <a:off x="24108435" y="9758235"/>
+            <a:ext cx="17159288" cy="11387138"/>
           </a:xfrm>
           <a:prstGeom prst="rect">
             <a:avLst/>
